--- a/TD/TD_03_CisailleVolante/images/Figures.pptx
+++ b/TD/TD_03_CisailleVolante/images/Figures.pptx
@@ -8,6 +8,7 @@
     <p:sldId id="256" r:id="rId2"/>
     <p:sldId id="258" r:id="rId3"/>
     <p:sldId id="257" r:id="rId4"/>
+    <p:sldId id="259" r:id="rId5"/>
   </p:sldIdLst>
   <p:sldSz cx="9144000" cy="6858000" type="screen4x3"/>
   <p:notesSz cx="6858000" cy="9144000"/>
@@ -3176,8 +3177,8 @@
           </a:fontRef>
         </p:style>
       </p:cxnSp>
-      <mc:AlternateContent xmlns:mc="http://schemas.openxmlformats.org/markup-compatibility/2006">
-        <mc:Choice xmlns:a14="http://schemas.microsoft.com/office/drawing/2010/main" Requires="a14">
+      <mc:AlternateContent xmlns:mc="http://schemas.openxmlformats.org/markup-compatibility/2006" xmlns:a14="http://schemas.microsoft.com/office/drawing/2010/main">
+        <mc:Choice Requires="a14">
           <p:sp>
             <p:nvSpPr>
               <p:cNvPr id="20" name="ZoneTexte 19">
@@ -3217,6 +3218,7 @@
                 </a:lvl1pPr>
               </a:lstStyle>
               <a:p>
+                <a:pPr/>
                 <a14:m>
                   <m:oMathPara xmlns:m="http://schemas.openxmlformats.org/officeDocument/2006/math">
                     <m:oMathParaPr>
@@ -3224,37 +3226,51 @@
                     </m:oMathParaPr>
                     <m:oMath xmlns:m="http://schemas.openxmlformats.org/officeDocument/2006/math">
                       <m:r>
-                        <a:rPr lang="fr-FR"/>
+                        <a:rPr lang="fr-FR">
+                          <a:latin typeface="Cambria Math" panose="02040503050406030204" pitchFamily="18" charset="0"/>
+                        </a:rPr>
                         <m:t>𝝎</m:t>
                       </m:r>
                       <m:r>
-                        <a:rPr lang="fr-FR"/>
+                        <a:rPr lang="fr-FR">
+                          <a:latin typeface="Cambria Math" panose="02040503050406030204" pitchFamily="18" charset="0"/>
+                        </a:rPr>
                         <m:t>=</m:t>
                       </m:r>
                       <m:r>
-                        <a:rPr lang="fr-FR"/>
+                        <a:rPr lang="fr-FR">
+                          <a:latin typeface="Cambria Math" panose="02040503050406030204" pitchFamily="18" charset="0"/>
+                        </a:rPr>
                         <m:t>𝟏𝟒𝟎</m:t>
                       </m:r>
                       <m:r>
-                        <a:rPr lang="fr-FR"/>
+                        <a:rPr lang="fr-FR">
+                          <a:latin typeface="Cambria Math" panose="02040503050406030204" pitchFamily="18" charset="0"/>
+                        </a:rPr>
                         <m:t> </m:t>
                       </m:r>
                       <m:f>
                         <m:fPr>
                           <m:type m:val="lin"/>
                           <m:ctrlPr>
-                            <a:rPr lang="fr-FR"/>
+                            <a:rPr lang="fr-FR" i="1">
+                              <a:latin typeface="Cambria Math" panose="02040503050406030204" pitchFamily="18" charset="0"/>
+                            </a:rPr>
                           </m:ctrlPr>
                         </m:fPr>
                         <m:num>
                           <m:r>
-                            <a:rPr lang="fr-FR"/>
+                            <a:rPr lang="fr-FR">
+                              <a:latin typeface="Cambria Math" panose="02040503050406030204" pitchFamily="18" charset="0"/>
+                            </a:rPr>
                             <m:t>𝒓𝒂𝒅</m:t>
                           </m:r>
                         </m:num>
                         <m:den>
                           <m:r>
-                            <a:rPr lang="fr-FR"/>
+                            <a:rPr lang="fr-FR">
+                              <a:latin typeface="Cambria Math" panose="02040503050406030204" pitchFamily="18" charset="0"/>
+                            </a:rPr>
                             <m:t>𝒔</m:t>
                           </m:r>
                         </m:den>
@@ -3267,7 +3283,7 @@
             </p:txBody>
           </p:sp>
         </mc:Choice>
-        <mc:Fallback>
+        <mc:Fallback xmlns="">
           <p:sp>
             <p:nvSpPr>
               <p:cNvPr id="20" name="ZoneTexte 19">
@@ -3312,8 +3328,8 @@
           </p:sp>
         </mc:Fallback>
       </mc:AlternateContent>
-      <mc:AlternateContent xmlns:mc="http://schemas.openxmlformats.org/markup-compatibility/2006">
-        <mc:Choice xmlns:a14="http://schemas.microsoft.com/office/drawing/2010/main" Requires="a14">
+      <mc:AlternateContent xmlns:mc="http://schemas.openxmlformats.org/markup-compatibility/2006" xmlns:a14="http://schemas.microsoft.com/office/drawing/2010/main">
+        <mc:Choice Requires="a14">
           <p:sp>
             <p:nvSpPr>
               <p:cNvPr id="21" name="ZoneTexte 20">
@@ -3342,6 +3358,7 @@
               </a:bodyPr>
               <a:lstStyle/>
               <a:p>
+                <a:pPr/>
                 <a14:m>
                   <m:oMathPara xmlns:m="http://schemas.openxmlformats.org/officeDocument/2006/math">
                     <m:oMathParaPr>
@@ -3388,7 +3405,7 @@
             </p:txBody>
           </p:sp>
         </mc:Choice>
-        <mc:Fallback>
+        <mc:Fallback xmlns="">
           <p:sp>
             <p:nvSpPr>
               <p:cNvPr id="21" name="ZoneTexte 20">
@@ -3433,8 +3450,8 @@
           </p:sp>
         </mc:Fallback>
       </mc:AlternateContent>
-      <mc:AlternateContent xmlns:mc="http://schemas.openxmlformats.org/markup-compatibility/2006">
-        <mc:Choice xmlns:a14="http://schemas.microsoft.com/office/drawing/2010/main" Requires="a14">
+      <mc:AlternateContent xmlns:mc="http://schemas.openxmlformats.org/markup-compatibility/2006" xmlns:a14="http://schemas.microsoft.com/office/drawing/2010/main">
+        <mc:Choice Requires="a14">
           <p:sp>
             <p:nvSpPr>
               <p:cNvPr id="22" name="ZoneTexte 21">
@@ -3463,6 +3480,7 @@
               </a:bodyPr>
               <a:lstStyle/>
               <a:p>
+                <a:pPr/>
                 <a14:m>
                   <m:oMathPara xmlns:m="http://schemas.openxmlformats.org/officeDocument/2006/math">
                     <m:oMathParaPr>
@@ -3509,7 +3527,7 @@
             </p:txBody>
           </p:sp>
         </mc:Choice>
-        <mc:Fallback>
+        <mc:Fallback xmlns="">
           <p:sp>
             <p:nvSpPr>
               <p:cNvPr id="22" name="ZoneTexte 21">
@@ -3554,8 +3572,8 @@
           </p:sp>
         </mc:Fallback>
       </mc:AlternateContent>
-      <mc:AlternateContent xmlns:mc="http://schemas.openxmlformats.org/markup-compatibility/2006">
-        <mc:Choice xmlns:a14="http://schemas.microsoft.com/office/drawing/2010/main" Requires="a14">
+      <mc:AlternateContent xmlns:mc="http://schemas.openxmlformats.org/markup-compatibility/2006" xmlns:a14="http://schemas.microsoft.com/office/drawing/2010/main">
+        <mc:Choice Requires="a14">
           <p:sp>
             <p:nvSpPr>
               <p:cNvPr id="23" name="ZoneTexte 22">
@@ -3586,6 +3604,7 @@
               </a:bodyPr>
               <a:lstStyle/>
               <a:p>
+                <a:pPr/>
                 <a14:m>
                   <m:oMathPara xmlns:m="http://schemas.openxmlformats.org/officeDocument/2006/math">
                     <m:oMathParaPr>
@@ -3650,7 +3669,7 @@
             </p:txBody>
           </p:sp>
         </mc:Choice>
-        <mc:Fallback>
+        <mc:Fallback xmlns="">
           <p:sp>
             <p:nvSpPr>
               <p:cNvPr id="23" name="ZoneTexte 22">
@@ -3734,8 +3753,8 @@
           </a:fontRef>
         </p:style>
       </p:cxnSp>
-      <mc:AlternateContent xmlns:mc="http://schemas.openxmlformats.org/markup-compatibility/2006">
-        <mc:Choice xmlns:a14="http://schemas.microsoft.com/office/drawing/2010/main" Requires="a14">
+      <mc:AlternateContent xmlns:mc="http://schemas.openxmlformats.org/markup-compatibility/2006" xmlns:a14="http://schemas.microsoft.com/office/drawing/2010/main">
+        <mc:Choice Requires="a14">
           <p:sp>
             <p:nvSpPr>
               <p:cNvPr id="24" name="ZoneTexte 23">
@@ -3775,6 +3794,7 @@
                 </a:lvl1pPr>
               </a:lstStyle>
               <a:p>
+                <a:pPr/>
                 <a14:m>
                   <m:oMathPara xmlns:m="http://schemas.openxmlformats.org/officeDocument/2006/math">
                     <m:oMathParaPr>
@@ -3782,7 +3802,9 @@
                     </m:oMathParaPr>
                     <m:oMath xmlns:m="http://schemas.openxmlformats.org/officeDocument/2006/math">
                       <m:r>
-                        <a:rPr lang="fr-FR" sz="1800" b="1" i="1" smtClean="0"/>
+                        <a:rPr lang="fr-FR" sz="1800" b="1" i="1" smtClean="0">
+                          <a:latin typeface="Cambria Math" panose="02040503050406030204" pitchFamily="18" charset="0"/>
+                        </a:rPr>
                         <m:t>𝟑𝟕</m:t>
                       </m:r>
                     </m:oMath>
@@ -3793,7 +3815,7 @@
             </p:txBody>
           </p:sp>
         </mc:Choice>
-        <mc:Fallback>
+        <mc:Fallback xmlns="">
           <p:sp>
             <p:nvSpPr>
               <p:cNvPr id="24" name="ZoneTexte 23">
@@ -4031,8 +4053,8 @@
           </a:fontRef>
         </p:style>
       </p:cxnSp>
-      <mc:AlternateContent xmlns:mc="http://schemas.openxmlformats.org/markup-compatibility/2006">
-        <mc:Choice xmlns:a14="http://schemas.microsoft.com/office/drawing/2010/main" Requires="a14">
+      <mc:AlternateContent xmlns:mc="http://schemas.openxmlformats.org/markup-compatibility/2006" xmlns:a14="http://schemas.microsoft.com/office/drawing/2010/main">
+        <mc:Choice Requires="a14">
           <p:sp>
             <p:nvSpPr>
               <p:cNvPr id="20" name="ZoneTexte 19">
@@ -4072,6 +4094,7 @@
                 </a:lvl1pPr>
               </a:lstStyle>
               <a:p>
+                <a:pPr/>
                 <a14:m>
                   <m:oMathPara xmlns:m="http://schemas.openxmlformats.org/officeDocument/2006/math">
                     <m:oMathParaPr>
@@ -4079,37 +4102,51 @@
                     </m:oMathParaPr>
                     <m:oMath xmlns:m="http://schemas.openxmlformats.org/officeDocument/2006/math">
                       <m:r>
-                        <a:rPr lang="fr-FR"/>
+                        <a:rPr lang="fr-FR">
+                          <a:latin typeface="Cambria Math" panose="02040503050406030204" pitchFamily="18" charset="0"/>
+                        </a:rPr>
                         <m:t>𝝎</m:t>
                       </m:r>
                       <m:r>
-                        <a:rPr lang="fr-FR"/>
+                        <a:rPr lang="fr-FR">
+                          <a:latin typeface="Cambria Math" panose="02040503050406030204" pitchFamily="18" charset="0"/>
+                        </a:rPr>
                         <m:t>=</m:t>
                       </m:r>
                       <m:r>
-                        <a:rPr lang="fr-FR"/>
+                        <a:rPr lang="fr-FR">
+                          <a:latin typeface="Cambria Math" panose="02040503050406030204" pitchFamily="18" charset="0"/>
+                        </a:rPr>
                         <m:t>𝟏𝟒𝟎</m:t>
                       </m:r>
                       <m:r>
-                        <a:rPr lang="fr-FR"/>
+                        <a:rPr lang="fr-FR">
+                          <a:latin typeface="Cambria Math" panose="02040503050406030204" pitchFamily="18" charset="0"/>
+                        </a:rPr>
                         <m:t> </m:t>
                       </m:r>
                       <m:f>
                         <m:fPr>
                           <m:type m:val="lin"/>
                           <m:ctrlPr>
-                            <a:rPr lang="fr-FR"/>
+                            <a:rPr lang="fr-FR" i="1">
+                              <a:latin typeface="Cambria Math" panose="02040503050406030204" pitchFamily="18" charset="0"/>
+                            </a:rPr>
                           </m:ctrlPr>
                         </m:fPr>
                         <m:num>
                           <m:r>
-                            <a:rPr lang="fr-FR"/>
+                            <a:rPr lang="fr-FR">
+                              <a:latin typeface="Cambria Math" panose="02040503050406030204" pitchFamily="18" charset="0"/>
+                            </a:rPr>
                             <m:t>𝒓𝒂𝒅</m:t>
                           </m:r>
                         </m:num>
                         <m:den>
                           <m:r>
-                            <a:rPr lang="fr-FR"/>
+                            <a:rPr lang="fr-FR">
+                              <a:latin typeface="Cambria Math" panose="02040503050406030204" pitchFamily="18" charset="0"/>
+                            </a:rPr>
                             <m:t>𝒔</m:t>
                           </m:r>
                         </m:den>
@@ -4122,7 +4159,7 @@
             </p:txBody>
           </p:sp>
         </mc:Choice>
-        <mc:Fallback>
+        <mc:Fallback xmlns="">
           <p:sp>
             <p:nvSpPr>
               <p:cNvPr id="20" name="ZoneTexte 19">
@@ -4167,8 +4204,8 @@
           </p:sp>
         </mc:Fallback>
       </mc:AlternateContent>
-      <mc:AlternateContent xmlns:mc="http://schemas.openxmlformats.org/markup-compatibility/2006">
-        <mc:Choice xmlns:a14="http://schemas.microsoft.com/office/drawing/2010/main" Requires="a14">
+      <mc:AlternateContent xmlns:mc="http://schemas.openxmlformats.org/markup-compatibility/2006" xmlns:a14="http://schemas.microsoft.com/office/drawing/2010/main">
+        <mc:Choice Requires="a14">
           <p:sp>
             <p:nvSpPr>
               <p:cNvPr id="21" name="ZoneTexte 20">
@@ -4197,6 +4234,7 @@
               </a:bodyPr>
               <a:lstStyle/>
               <a:p>
+                <a:pPr/>
                 <a14:m>
                   <m:oMathPara xmlns:m="http://schemas.openxmlformats.org/officeDocument/2006/math">
                     <m:oMathParaPr>
@@ -4243,7 +4281,7 @@
             </p:txBody>
           </p:sp>
         </mc:Choice>
-        <mc:Fallback>
+        <mc:Fallback xmlns="">
           <p:sp>
             <p:nvSpPr>
               <p:cNvPr id="21" name="ZoneTexte 20">
@@ -4288,8 +4326,8 @@
           </p:sp>
         </mc:Fallback>
       </mc:AlternateContent>
-      <mc:AlternateContent xmlns:mc="http://schemas.openxmlformats.org/markup-compatibility/2006">
-        <mc:Choice xmlns:a14="http://schemas.microsoft.com/office/drawing/2010/main" Requires="a14">
+      <mc:AlternateContent xmlns:mc="http://schemas.openxmlformats.org/markup-compatibility/2006" xmlns:a14="http://schemas.microsoft.com/office/drawing/2010/main">
+        <mc:Choice Requires="a14">
           <p:sp>
             <p:nvSpPr>
               <p:cNvPr id="22" name="ZoneTexte 21">
@@ -4318,6 +4356,7 @@
               </a:bodyPr>
               <a:lstStyle/>
               <a:p>
+                <a:pPr/>
                 <a14:m>
                   <m:oMathPara xmlns:m="http://schemas.openxmlformats.org/officeDocument/2006/math">
                     <m:oMathParaPr>
@@ -4364,7 +4403,7 @@
             </p:txBody>
           </p:sp>
         </mc:Choice>
-        <mc:Fallback>
+        <mc:Fallback xmlns="">
           <p:sp>
             <p:nvSpPr>
               <p:cNvPr id="22" name="ZoneTexte 21">
@@ -4409,8 +4448,8 @@
           </p:sp>
         </mc:Fallback>
       </mc:AlternateContent>
-      <mc:AlternateContent xmlns:mc="http://schemas.openxmlformats.org/markup-compatibility/2006">
-        <mc:Choice xmlns:a14="http://schemas.microsoft.com/office/drawing/2010/main" Requires="a14">
+      <mc:AlternateContent xmlns:mc="http://schemas.openxmlformats.org/markup-compatibility/2006" xmlns:a14="http://schemas.microsoft.com/office/drawing/2010/main">
+        <mc:Choice Requires="a14">
           <p:sp>
             <p:nvSpPr>
               <p:cNvPr id="23" name="ZoneTexte 22">
@@ -4441,6 +4480,7 @@
               </a:bodyPr>
               <a:lstStyle/>
               <a:p>
+                <a:pPr/>
                 <a14:m>
                   <m:oMathPara xmlns:m="http://schemas.openxmlformats.org/officeDocument/2006/math">
                     <m:oMathParaPr>
@@ -4505,7 +4545,7 @@
             </p:txBody>
           </p:sp>
         </mc:Choice>
-        <mc:Fallback>
+        <mc:Fallback xmlns="">
           <p:sp>
             <p:nvSpPr>
               <p:cNvPr id="23" name="ZoneTexte 22">
@@ -4589,8 +4629,8 @@
           </a:fontRef>
         </p:style>
       </p:cxnSp>
-      <mc:AlternateContent xmlns:mc="http://schemas.openxmlformats.org/markup-compatibility/2006">
-        <mc:Choice xmlns:a14="http://schemas.microsoft.com/office/drawing/2010/main" Requires="a14">
+      <mc:AlternateContent xmlns:mc="http://schemas.openxmlformats.org/markup-compatibility/2006" xmlns:a14="http://schemas.microsoft.com/office/drawing/2010/main">
+        <mc:Choice Requires="a14">
           <p:sp>
             <p:nvSpPr>
               <p:cNvPr id="24" name="ZoneTexte 23">
@@ -4630,6 +4670,7 @@
                 </a:lvl1pPr>
               </a:lstStyle>
               <a:p>
+                <a:pPr/>
                 <a14:m>
                   <m:oMathPara xmlns:m="http://schemas.openxmlformats.org/officeDocument/2006/math">
                     <m:oMathParaPr>
@@ -4637,7 +4678,9 @@
                     </m:oMathParaPr>
                     <m:oMath xmlns:m="http://schemas.openxmlformats.org/officeDocument/2006/math">
                       <m:r>
-                        <a:rPr lang="fr-FR" sz="1800" b="1" i="1" smtClean="0"/>
+                        <a:rPr lang="fr-FR" sz="1800" b="1" i="1" smtClean="0">
+                          <a:latin typeface="Cambria Math" panose="02040503050406030204" pitchFamily="18" charset="0"/>
+                        </a:rPr>
                         <m:t>𝟑𝟕</m:t>
                       </m:r>
                     </m:oMath>
@@ -4648,7 +4691,7 @@
             </p:txBody>
           </p:sp>
         </mc:Choice>
-        <mc:Fallback>
+        <mc:Fallback xmlns="">
           <p:sp>
             <p:nvSpPr>
               <p:cNvPr id="24" name="ZoneTexte 23">
@@ -4974,8 +5017,8 @@
           </a:fontRef>
         </p:style>
       </p:cxnSp>
-      <mc:AlternateContent xmlns:mc="http://schemas.openxmlformats.org/markup-compatibility/2006">
-        <mc:Choice xmlns:a14="http://schemas.microsoft.com/office/drawing/2010/main" Requires="a14">
+      <mc:AlternateContent xmlns:mc="http://schemas.openxmlformats.org/markup-compatibility/2006" xmlns:a14="http://schemas.microsoft.com/office/drawing/2010/main">
+        <mc:Choice Requires="a14">
           <p:sp>
             <p:nvSpPr>
               <p:cNvPr id="7" name="ZoneTexte 6">
@@ -5004,6 +5047,7 @@
               </a:bodyPr>
               <a:lstStyle/>
               <a:p>
+                <a:pPr/>
                 <a14:m>
                   <m:oMathPara xmlns:m="http://schemas.openxmlformats.org/officeDocument/2006/math">
                     <m:oMathParaPr>
@@ -5024,7 +5068,7 @@
             </p:txBody>
           </p:sp>
         </mc:Choice>
-        <mc:Fallback>
+        <mc:Fallback xmlns="">
           <p:sp>
             <p:nvSpPr>
               <p:cNvPr id="7" name="ZoneTexte 6">
@@ -5069,8 +5113,8 @@
           </p:sp>
         </mc:Fallback>
       </mc:AlternateContent>
-      <mc:AlternateContent xmlns:mc="http://schemas.openxmlformats.org/markup-compatibility/2006">
-        <mc:Choice xmlns:a14="http://schemas.microsoft.com/office/drawing/2010/main" Requires="a14">
+      <mc:AlternateContent xmlns:mc="http://schemas.openxmlformats.org/markup-compatibility/2006" xmlns:a14="http://schemas.microsoft.com/office/drawing/2010/main">
+        <mc:Choice Requires="a14">
           <p:sp>
             <p:nvSpPr>
               <p:cNvPr id="8" name="ZoneTexte 7">
@@ -5099,6 +5143,7 @@
               </a:bodyPr>
               <a:lstStyle/>
               <a:p>
+                <a:pPr/>
                 <a14:m>
                   <m:oMathPara xmlns:m="http://schemas.openxmlformats.org/officeDocument/2006/math">
                     <m:oMathParaPr>
@@ -5119,7 +5164,7 @@
             </p:txBody>
           </p:sp>
         </mc:Choice>
-        <mc:Fallback>
+        <mc:Fallback xmlns="">
           <p:sp>
             <p:nvSpPr>
               <p:cNvPr id="8" name="ZoneTexte 7">
@@ -5221,8 +5266,8 @@
           </a:p>
         </p:txBody>
       </p:sp>
-      <mc:AlternateContent xmlns:mc="http://schemas.openxmlformats.org/markup-compatibility/2006">
-        <mc:Choice xmlns:a14="http://schemas.microsoft.com/office/drawing/2010/main" Requires="a14">
+      <mc:AlternateContent xmlns:mc="http://schemas.openxmlformats.org/markup-compatibility/2006" xmlns:a14="http://schemas.microsoft.com/office/drawing/2010/main">
+        <mc:Choice Requires="a14">
           <p:sp>
             <p:nvSpPr>
               <p:cNvPr id="10" name="ZoneTexte 9">
@@ -5273,7 +5318,7 @@
             </p:txBody>
           </p:sp>
         </mc:Choice>
-        <mc:Fallback>
+        <mc:Fallback xmlns="">
           <p:sp>
             <p:nvSpPr>
               <p:cNvPr id="10" name="ZoneTexte 9">
@@ -5416,8 +5461,8 @@
           </a:p>
         </p:txBody>
       </p:sp>
-      <mc:AlternateContent xmlns:mc="http://schemas.openxmlformats.org/markup-compatibility/2006">
-        <mc:Choice xmlns:a14="http://schemas.microsoft.com/office/drawing/2010/main" Requires="a14">
+      <mc:AlternateContent xmlns:mc="http://schemas.openxmlformats.org/markup-compatibility/2006" xmlns:a14="http://schemas.microsoft.com/office/drawing/2010/main">
+        <mc:Choice Requires="a14">
           <p:sp>
             <p:nvSpPr>
               <p:cNvPr id="15" name="Rectangle 14">
@@ -5445,6 +5490,7 @@
               </a:bodyPr>
               <a:lstStyle/>
               <a:p>
+                <a:pPr/>
                 <a14:m>
                   <m:oMathPara xmlns:m="http://schemas.openxmlformats.org/officeDocument/2006/math">
                     <m:oMathParaPr>
@@ -5465,7 +5511,7 @@
             </p:txBody>
           </p:sp>
         </mc:Choice>
-        <mc:Fallback>
+        <mc:Fallback xmlns="">
           <p:sp>
             <p:nvSpPr>
               <p:cNvPr id="15" name="Rectangle 14">
@@ -5514,6 +5560,477 @@
     <p:extLst>
       <p:ext uri="{BB962C8B-B14F-4D97-AF65-F5344CB8AC3E}">
         <p14:creationId xmlns:p14="http://schemas.microsoft.com/office/powerpoint/2010/main" val="2028390739"/>
+      </p:ext>
+    </p:extLst>
+  </p:cSld>
+  <p:clrMapOvr>
+    <a:masterClrMapping/>
+  </p:clrMapOvr>
+</p:sld>
+</file>
+
+<file path=ppt/slides/slide4.xml><?xml version="1.0" encoding="utf-8"?>
+<p:sld xmlns:a="http://schemas.openxmlformats.org/drawingml/2006/main" xmlns:r="http://schemas.openxmlformats.org/officeDocument/2006/relationships" xmlns:p="http://schemas.openxmlformats.org/presentationml/2006/main">
+  <p:cSld>
+    <p:spTree>
+      <p:nvGrpSpPr>
+        <p:cNvPr id="1" name=""/>
+        <p:cNvGrpSpPr/>
+        <p:nvPr/>
+      </p:nvGrpSpPr>
+      <p:grpSpPr>
+        <a:xfrm>
+          <a:off x="0" y="0"/>
+          <a:ext cx="0" cy="0"/>
+          <a:chOff x="0" y="0"/>
+          <a:chExt cx="0" cy="0"/>
+        </a:xfrm>
+      </p:grpSpPr>
+      <p:pic>
+        <p:nvPicPr>
+          <p:cNvPr id="5" name="Image 4">
+            <a:extLst>
+              <a:ext uri="{FF2B5EF4-FFF2-40B4-BE49-F238E27FC236}">
+                <a16:creationId xmlns:a16="http://schemas.microsoft.com/office/drawing/2014/main" id="{98243D31-EEA7-4512-BF25-7F0787EAC63B}"/>
+              </a:ext>
+            </a:extLst>
+          </p:cNvPr>
+          <p:cNvPicPr>
+            <a:picLocks noChangeAspect="1"/>
+          </p:cNvPicPr>
+          <p:nvPr/>
+        </p:nvPicPr>
+        <p:blipFill>
+          <a:blip r:embed="rId2">
+            <a:extLst>
+              <a:ext uri="{28A0092B-C50C-407E-A947-70E740481C1C}">
+                <a14:useLocalDpi xmlns:a14="http://schemas.microsoft.com/office/drawing/2010/main" val="0"/>
+              </a:ext>
+            </a:extLst>
+          </a:blip>
+          <a:stretch>
+            <a:fillRect/>
+          </a:stretch>
+        </p:blipFill>
+        <p:spPr>
+          <a:xfrm>
+            <a:off x="229143" y="57571"/>
+            <a:ext cx="8685714" cy="6742857"/>
+          </a:xfrm>
+          <a:prstGeom prst="rect">
+            <a:avLst/>
+          </a:prstGeom>
+        </p:spPr>
+      </p:pic>
+      <p:cxnSp>
+        <p:nvCxnSpPr>
+          <p:cNvPr id="6" name="Connecteur droit 5">
+            <a:extLst>
+              <a:ext uri="{FF2B5EF4-FFF2-40B4-BE49-F238E27FC236}">
+                <a16:creationId xmlns:a16="http://schemas.microsoft.com/office/drawing/2014/main" id="{1AF32937-AEDA-40ED-A250-053CEE97A378}"/>
+              </a:ext>
+            </a:extLst>
+          </p:cNvPr>
+          <p:cNvCxnSpPr>
+            <a:cxnSpLocks/>
+          </p:cNvCxnSpPr>
+          <p:nvPr/>
+        </p:nvCxnSpPr>
+        <p:spPr>
+          <a:xfrm flipV="1">
+            <a:off x="1187624" y="548680"/>
+            <a:ext cx="7272808" cy="5832648"/>
+          </a:xfrm>
+          <a:prstGeom prst="line">
+            <a:avLst/>
+          </a:prstGeom>
+          <a:ln w="28575">
+            <a:solidFill>
+              <a:srgbClr val="C00000"/>
+            </a:solidFill>
+          </a:ln>
+        </p:spPr>
+        <p:style>
+          <a:lnRef idx="1">
+            <a:schemeClr val="accent1"/>
+          </a:lnRef>
+          <a:fillRef idx="0">
+            <a:schemeClr val="accent1"/>
+          </a:fillRef>
+          <a:effectRef idx="0">
+            <a:schemeClr val="accent1"/>
+          </a:effectRef>
+          <a:fontRef idx="minor">
+            <a:schemeClr val="tx1"/>
+          </a:fontRef>
+        </p:style>
+      </p:cxnSp>
+      <p:cxnSp>
+        <p:nvCxnSpPr>
+          <p:cNvPr id="10" name="Connecteur droit 9">
+            <a:extLst>
+              <a:ext uri="{FF2B5EF4-FFF2-40B4-BE49-F238E27FC236}">
+                <a16:creationId xmlns:a16="http://schemas.microsoft.com/office/drawing/2014/main" id="{C34E096D-BD07-4751-819B-40B77E82F494}"/>
+              </a:ext>
+            </a:extLst>
+          </p:cNvPr>
+          <p:cNvCxnSpPr>
+            <a:cxnSpLocks/>
+          </p:cNvCxnSpPr>
+          <p:nvPr/>
+        </p:nvCxnSpPr>
+        <p:spPr>
+          <a:xfrm flipV="1">
+            <a:off x="2146105" y="1052736"/>
+            <a:ext cx="6768752" cy="5472608"/>
+          </a:xfrm>
+          <a:prstGeom prst="line">
+            <a:avLst/>
+          </a:prstGeom>
+          <a:ln w="28575">
+            <a:solidFill>
+              <a:srgbClr val="C00000"/>
+            </a:solidFill>
+          </a:ln>
+        </p:spPr>
+        <p:style>
+          <a:lnRef idx="1">
+            <a:schemeClr val="accent1"/>
+          </a:lnRef>
+          <a:fillRef idx="0">
+            <a:schemeClr val="accent1"/>
+          </a:fillRef>
+          <a:effectRef idx="0">
+            <a:schemeClr val="accent1"/>
+          </a:effectRef>
+          <a:fontRef idx="minor">
+            <a:schemeClr val="tx1"/>
+          </a:fontRef>
+        </p:style>
+      </p:cxnSp>
+      <mc:AlternateContent xmlns:mc="http://schemas.openxmlformats.org/markup-compatibility/2006">
+        <mc:Choice xmlns:a14="http://schemas.microsoft.com/office/drawing/2010/main" Requires="a14">
+          <p:sp>
+            <p:nvSpPr>
+              <p:cNvPr id="12" name="ZoneTexte 11">
+                <a:extLst>
+                  <a:ext uri="{FF2B5EF4-FFF2-40B4-BE49-F238E27FC236}">
+                    <a16:creationId xmlns:a16="http://schemas.microsoft.com/office/drawing/2014/main" id="{2ACC6DF6-6599-4E80-A84F-4C0299B32E97}"/>
+                  </a:ext>
+                </a:extLst>
+              </p:cNvPr>
+              <p:cNvSpPr txBox="1"/>
+              <p:nvPr/>
+            </p:nvSpPr>
+            <p:spPr>
+              <a:xfrm>
+                <a:off x="2699792" y="6141403"/>
+                <a:ext cx="903965" cy="215444"/>
+              </a:xfrm>
+              <a:prstGeom prst="rect">
+                <a:avLst/>
+              </a:prstGeom>
+              <a:solidFill>
+                <a:schemeClr val="bg1"/>
+              </a:solidFill>
+            </p:spPr>
+            <p:txBody>
+              <a:bodyPr wrap="none" lIns="0" tIns="0" rIns="0" bIns="0" rtlCol="0">
+                <a:spAutoFit/>
+              </a:bodyPr>
+              <a:lstStyle>
+                <a:defPPr>
+                  <a:defRPr lang="fr-FR"/>
+                </a:defPPr>
+                <a:lvl1pPr>
+                  <a:defRPr sz="1400" b="1" i="1">
+                    <a:latin typeface="Cambria Math" panose="02040503050406030204" pitchFamily="18" charset="0"/>
+                  </a:defRPr>
+                </a:lvl1pPr>
+              </a:lstStyle>
+              <a:p>
+                <a:pPr/>
+                <a14:m>
+                  <m:oMathPara xmlns:m="http://schemas.openxmlformats.org/officeDocument/2006/math">
+                    <m:oMathParaPr>
+                      <m:jc m:val="centerGroup"/>
+                    </m:oMathParaPr>
+                    <m:oMath xmlns:m="http://schemas.openxmlformats.org/officeDocument/2006/math">
+                      <m:r>
+                        <a:rPr lang="fr-FR" b="1" i="1" smtClean="0">
+                          <a:latin typeface="Cambria Math" panose="02040503050406030204" pitchFamily="18" charset="0"/>
+                        </a:rPr>
+                        <m:t>𝑻</m:t>
+                      </m:r>
+                      <m:r>
+                        <a:rPr lang="fr-FR" b="1" i="1" smtClean="0">
+                          <a:latin typeface="Cambria Math" panose="02040503050406030204" pitchFamily="18" charset="0"/>
+                        </a:rPr>
+                        <m:t>=</m:t>
+                      </m:r>
+                      <m:r>
+                        <a:rPr lang="fr-FR" b="1" i="1" smtClean="0">
+                          <a:latin typeface="Cambria Math" panose="02040503050406030204" pitchFamily="18" charset="0"/>
+                        </a:rPr>
+                        <m:t>𝟎</m:t>
+                      </m:r>
+                      <m:r>
+                        <a:rPr lang="fr-FR" b="1" i="1" smtClean="0">
+                          <a:latin typeface="Cambria Math" panose="02040503050406030204" pitchFamily="18" charset="0"/>
+                        </a:rPr>
+                        <m:t>,</m:t>
+                      </m:r>
+                      <m:r>
+                        <a:rPr lang="fr-FR" b="1" i="1" smtClean="0">
+                          <a:latin typeface="Cambria Math" panose="02040503050406030204" pitchFamily="18" charset="0"/>
+                        </a:rPr>
+                        <m:t>𝟏𝟓</m:t>
+                      </m:r>
+                      <m:r>
+                        <a:rPr lang="fr-FR" b="1" i="1" smtClean="0">
+                          <a:latin typeface="Cambria Math" panose="02040503050406030204" pitchFamily="18" charset="0"/>
+                        </a:rPr>
+                        <m:t> </m:t>
+                      </m:r>
+                      <m:r>
+                        <a:rPr lang="fr-FR" b="1" i="1" smtClean="0">
+                          <a:latin typeface="Cambria Math" panose="02040503050406030204" pitchFamily="18" charset="0"/>
+                        </a:rPr>
+                        <m:t>𝒔</m:t>
+                      </m:r>
+                    </m:oMath>
+                  </m:oMathPara>
+                </a14:m>
+                <a:endParaRPr lang="fr-FR" dirty="0"/>
+              </a:p>
+            </p:txBody>
+          </p:sp>
+        </mc:Choice>
+        <mc:Fallback>
+          <p:sp>
+            <p:nvSpPr>
+              <p:cNvPr id="12" name="ZoneTexte 11">
+                <a:extLst>
+                  <a:ext uri="{FF2B5EF4-FFF2-40B4-BE49-F238E27FC236}">
+                    <a16:creationId xmlns:a16="http://schemas.microsoft.com/office/drawing/2014/main" id="{2ACC6DF6-6599-4E80-A84F-4C0299B32E97}"/>
+                  </a:ext>
+                </a:extLst>
+              </p:cNvPr>
+              <p:cNvSpPr txBox="1">
+                <a:spLocks noRot="1" noChangeAspect="1" noMove="1" noResize="1" noEditPoints="1" noAdjustHandles="1" noChangeArrowheads="1" noChangeShapeType="1" noTextEdit="1"/>
+              </p:cNvSpPr>
+              <p:nvPr/>
+            </p:nvSpPr>
+            <p:spPr>
+              <a:xfrm>
+                <a:off x="2699792" y="6141403"/>
+                <a:ext cx="903965" cy="215444"/>
+              </a:xfrm>
+              <a:prstGeom prst="rect">
+                <a:avLst/>
+              </a:prstGeom>
+              <a:blipFill>
+                <a:blip r:embed="rId3"/>
+                <a:stretch>
+                  <a:fillRect l="-4054" r="-2703" b="-8333"/>
+                </a:stretch>
+              </a:blipFill>
+            </p:spPr>
+            <p:txBody>
+              <a:bodyPr/>
+              <a:lstStyle/>
+              <a:p>
+                <a:r>
+                  <a:rPr lang="fr-FR">
+                    <a:noFill/>
+                  </a:rPr>
+                  <a:t> </a:t>
+                </a:r>
+              </a:p>
+            </p:txBody>
+          </p:sp>
+        </mc:Fallback>
+      </mc:AlternateContent>
+      <p:cxnSp>
+        <p:nvCxnSpPr>
+          <p:cNvPr id="13" name="Connecteur droit 12">
+            <a:extLst>
+              <a:ext uri="{FF2B5EF4-FFF2-40B4-BE49-F238E27FC236}">
+                <a16:creationId xmlns:a16="http://schemas.microsoft.com/office/drawing/2014/main" id="{4E45FC72-1641-4E11-BB29-265BBFB95619}"/>
+              </a:ext>
+            </a:extLst>
+          </p:cNvPr>
+          <p:cNvCxnSpPr>
+            <a:cxnSpLocks/>
+          </p:cNvCxnSpPr>
+          <p:nvPr/>
+        </p:nvCxnSpPr>
+        <p:spPr>
+          <a:xfrm flipV="1">
+            <a:off x="6588224" y="2060848"/>
+            <a:ext cx="0" cy="864096"/>
+          </a:xfrm>
+          <a:prstGeom prst="line">
+            <a:avLst/>
+          </a:prstGeom>
+          <a:ln w="57150">
+            <a:solidFill>
+              <a:srgbClr val="C00000"/>
+            </a:solidFill>
+            <a:headEnd type="stealth" w="med" len="lg"/>
+            <a:tailEnd type="stealth" w="med" len="lg"/>
+          </a:ln>
+        </p:spPr>
+        <p:style>
+          <a:lnRef idx="1">
+            <a:schemeClr val="accent1"/>
+          </a:lnRef>
+          <a:fillRef idx="0">
+            <a:schemeClr val="accent1"/>
+          </a:fillRef>
+          <a:effectRef idx="0">
+            <a:schemeClr val="accent1"/>
+          </a:effectRef>
+          <a:fontRef idx="minor">
+            <a:schemeClr val="tx1"/>
+          </a:fontRef>
+        </p:style>
+      </p:cxnSp>
+      <mc:AlternateContent xmlns:mc="http://schemas.openxmlformats.org/markup-compatibility/2006">
+        <mc:Choice xmlns:a14="http://schemas.microsoft.com/office/drawing/2010/main" Requires="a14">
+          <p:sp>
+            <p:nvSpPr>
+              <p:cNvPr id="16" name="ZoneTexte 15">
+                <a:extLst>
+                  <a:ext uri="{FF2B5EF4-FFF2-40B4-BE49-F238E27FC236}">
+                    <a16:creationId xmlns:a16="http://schemas.microsoft.com/office/drawing/2014/main" id="{19F344C7-BA9B-4E71-AD0E-41B3342B006D}"/>
+                  </a:ext>
+                </a:extLst>
+              </p:cNvPr>
+              <p:cNvSpPr txBox="1"/>
+              <p:nvPr/>
+            </p:nvSpPr>
+            <p:spPr>
+              <a:xfrm>
+                <a:off x="5684259" y="1593376"/>
+                <a:ext cx="634276" cy="215444"/>
+              </a:xfrm>
+              <a:prstGeom prst="rect">
+                <a:avLst/>
+              </a:prstGeom>
+              <a:solidFill>
+                <a:schemeClr val="bg1"/>
+              </a:solidFill>
+            </p:spPr>
+            <p:txBody>
+              <a:bodyPr wrap="none" lIns="0" tIns="0" rIns="0" bIns="0" rtlCol="0">
+                <a:spAutoFit/>
+              </a:bodyPr>
+              <a:lstStyle>
+                <a:defPPr>
+                  <a:defRPr lang="fr-FR"/>
+                </a:defPPr>
+                <a:lvl1pPr>
+                  <a:defRPr sz="1400" b="1" i="1">
+                    <a:latin typeface="Cambria Math" panose="02040503050406030204" pitchFamily="18" charset="0"/>
+                  </a:defRPr>
+                </a:lvl1pPr>
+              </a:lstStyle>
+              <a:p>
+                <a:pPr/>
+                <a14:m>
+                  <m:oMathPara xmlns:m="http://schemas.openxmlformats.org/officeDocument/2006/math">
+                    <m:oMathParaPr>
+                      <m:jc m:val="centerGroup"/>
+                    </m:oMathParaPr>
+                    <m:oMath xmlns:m="http://schemas.openxmlformats.org/officeDocument/2006/math">
+                      <m:r>
+                        <a:rPr lang="fr-FR" b="1" i="1" smtClean="0">
+                          <a:latin typeface="Cambria Math" panose="02040503050406030204" pitchFamily="18" charset="0"/>
+                        </a:rPr>
+                        <m:t>𝟎</m:t>
+                      </m:r>
+                      <m:r>
+                        <a:rPr lang="fr-FR" b="1" i="1" smtClean="0">
+                          <a:latin typeface="Cambria Math" panose="02040503050406030204" pitchFamily="18" charset="0"/>
+                        </a:rPr>
+                        <m:t>,</m:t>
+                      </m:r>
+                      <m:r>
+                        <a:rPr lang="fr-FR" b="1" i="1" smtClean="0">
+                          <a:latin typeface="Cambria Math" panose="02040503050406030204" pitchFamily="18" charset="0"/>
+                        </a:rPr>
+                        <m:t>𝟏𝟒</m:t>
+                      </m:r>
+                      <m:r>
+                        <a:rPr lang="fr-FR" b="1" i="1" smtClean="0">
+                          <a:latin typeface="Cambria Math" panose="02040503050406030204" pitchFamily="18" charset="0"/>
+                        </a:rPr>
+                        <m:t> </m:t>
+                      </m:r>
+                      <m:r>
+                        <a:rPr lang="fr-FR" b="1" i="1" smtClean="0">
+                          <a:latin typeface="Cambria Math" panose="02040503050406030204" pitchFamily="18" charset="0"/>
+                        </a:rPr>
+                        <m:t>𝒎</m:t>
+                      </m:r>
+                    </m:oMath>
+                  </m:oMathPara>
+                </a14:m>
+                <a:endParaRPr lang="fr-FR" dirty="0"/>
+              </a:p>
+            </p:txBody>
+          </p:sp>
+        </mc:Choice>
+        <mc:Fallback>
+          <p:sp>
+            <p:nvSpPr>
+              <p:cNvPr id="16" name="ZoneTexte 15">
+                <a:extLst>
+                  <a:ext uri="{FF2B5EF4-FFF2-40B4-BE49-F238E27FC236}">
+                    <a16:creationId xmlns:a16="http://schemas.microsoft.com/office/drawing/2014/main" id="{19F344C7-BA9B-4E71-AD0E-41B3342B006D}"/>
+                  </a:ext>
+                </a:extLst>
+              </p:cNvPr>
+              <p:cNvSpPr txBox="1">
+                <a:spLocks noRot="1" noChangeAspect="1" noMove="1" noResize="1" noEditPoints="1" noAdjustHandles="1" noChangeArrowheads="1" noChangeShapeType="1" noTextEdit="1"/>
+              </p:cNvSpPr>
+              <p:nvPr/>
+            </p:nvSpPr>
+            <p:spPr>
+              <a:xfrm>
+                <a:off x="5684259" y="1593376"/>
+                <a:ext cx="634276" cy="215444"/>
+              </a:xfrm>
+              <a:prstGeom prst="rect">
+                <a:avLst/>
+              </a:prstGeom>
+              <a:blipFill>
+                <a:blip r:embed="rId4"/>
+                <a:stretch>
+                  <a:fillRect l="-5714" r="-2857" b="-5556"/>
+                </a:stretch>
+              </a:blipFill>
+            </p:spPr>
+            <p:txBody>
+              <a:bodyPr/>
+              <a:lstStyle/>
+              <a:p>
+                <a:r>
+                  <a:rPr lang="fr-FR">
+                    <a:noFill/>
+                  </a:rPr>
+                  <a:t> </a:t>
+                </a:r>
+              </a:p>
+            </p:txBody>
+          </p:sp>
+        </mc:Fallback>
+      </mc:AlternateContent>
+    </p:spTree>
+    <p:extLst>
+      <p:ext uri="{BB962C8B-B14F-4D97-AF65-F5344CB8AC3E}">
+        <p14:creationId xmlns:p14="http://schemas.microsoft.com/office/powerpoint/2010/main" val="3137525998"/>
       </p:ext>
     </p:extLst>
   </p:cSld>
